--- a/Slides/Testing/1.Getting Started/Introduction to Testing .pptx
+++ b/Slides/Testing/1.Getting Started/Introduction to Testing .pptx
@@ -114,6 +114,11 @@
       </a:defRPr>
     </a:lvl9pPr>
   </p:defaultTextStyle>
+  <p:extLst>
+    <p:ext uri="{EFAFB233-063F-42B5-8137-9DF3F51BA10A}">
+      <p15:sldGuideLst xmlns:p15="http://schemas.microsoft.com/office/powerpoint/2012/main"/>
+    </p:ext>
+  </p:extLst>
 </p:presentation>
 </file>
 
@@ -199,7 +204,7 @@
           <a:p>
             <a:fld id="{0F10851F-2E9D-4C8F-9239-64DB29F57561}" type="datetimeFigureOut">
               <a:rPr lang="en-US" smtClean="0"/>
-              <a:t>8/5/2023</a:t>
+              <a:t>8/17/2023</a:t>
             </a:fld>
             <a:endParaRPr lang="en-US"/>
           </a:p>
@@ -717,7 +722,7 @@
           <a:p>
             <a:fld id="{09B6D8D1-7727-48F4-99B6-1A02B7F49221}" type="datetimeFigureOut">
               <a:rPr lang="en-US" smtClean="0"/>
-              <a:t>8/5/2023</a:t>
+              <a:t>8/17/2023</a:t>
             </a:fld>
             <a:endParaRPr lang="en-US"/>
           </a:p>
@@ -915,7 +920,7 @@
           <a:p>
             <a:fld id="{09B6D8D1-7727-48F4-99B6-1A02B7F49221}" type="datetimeFigureOut">
               <a:rPr lang="en-US" smtClean="0"/>
-              <a:t>8/5/2023</a:t>
+              <a:t>8/17/2023</a:t>
             </a:fld>
             <a:endParaRPr lang="en-US"/>
           </a:p>
@@ -1123,7 +1128,7 @@
           <a:p>
             <a:fld id="{09B6D8D1-7727-48F4-99B6-1A02B7F49221}" type="datetimeFigureOut">
               <a:rPr lang="en-US" smtClean="0"/>
-              <a:t>8/5/2023</a:t>
+              <a:t>8/17/2023</a:t>
             </a:fld>
             <a:endParaRPr lang="en-US"/>
           </a:p>
@@ -1990,7 +1995,7 @@
           <a:p>
             <a:fld id="{09B6D8D1-7727-48F4-99B6-1A02B7F49221}" type="datetimeFigureOut">
               <a:rPr lang="en-US" smtClean="0"/>
-              <a:t>8/5/2023</a:t>
+              <a:t>8/17/2023</a:t>
             </a:fld>
             <a:endParaRPr lang="en-US"/>
           </a:p>
@@ -2265,7 +2270,7 @@
           <a:p>
             <a:fld id="{09B6D8D1-7727-48F4-99B6-1A02B7F49221}" type="datetimeFigureOut">
               <a:rPr lang="en-US" smtClean="0"/>
-              <a:t>8/5/2023</a:t>
+              <a:t>8/17/2023</a:t>
             </a:fld>
             <a:endParaRPr lang="en-US"/>
           </a:p>
@@ -2530,7 +2535,7 @@
           <a:p>
             <a:fld id="{09B6D8D1-7727-48F4-99B6-1A02B7F49221}" type="datetimeFigureOut">
               <a:rPr lang="en-US" smtClean="0"/>
-              <a:t>8/5/2023</a:t>
+              <a:t>8/17/2023</a:t>
             </a:fld>
             <a:endParaRPr lang="en-US"/>
           </a:p>
@@ -2942,7 +2947,7 @@
           <a:p>
             <a:fld id="{09B6D8D1-7727-48F4-99B6-1A02B7F49221}" type="datetimeFigureOut">
               <a:rPr lang="en-US" smtClean="0"/>
-              <a:t>8/5/2023</a:t>
+              <a:t>8/17/2023</a:t>
             </a:fld>
             <a:endParaRPr lang="en-US"/>
           </a:p>
@@ -3083,7 +3088,7 @@
           <a:p>
             <a:fld id="{09B6D8D1-7727-48F4-99B6-1A02B7F49221}" type="datetimeFigureOut">
               <a:rPr lang="en-US" smtClean="0"/>
-              <a:t>8/5/2023</a:t>
+              <a:t>8/17/2023</a:t>
             </a:fld>
             <a:endParaRPr lang="en-US"/>
           </a:p>
@@ -3196,7 +3201,7 @@
           <a:p>
             <a:fld id="{09B6D8D1-7727-48F4-99B6-1A02B7F49221}" type="datetimeFigureOut">
               <a:rPr lang="en-US" smtClean="0"/>
-              <a:t>8/5/2023</a:t>
+              <a:t>8/17/2023</a:t>
             </a:fld>
             <a:endParaRPr lang="en-US"/>
           </a:p>
@@ -3507,7 +3512,7 @@
           <a:p>
             <a:fld id="{09B6D8D1-7727-48F4-99B6-1A02B7F49221}" type="datetimeFigureOut">
               <a:rPr lang="en-US" smtClean="0"/>
-              <a:t>8/5/2023</a:t>
+              <a:t>8/17/2023</a:t>
             </a:fld>
             <a:endParaRPr lang="en-US"/>
           </a:p>
@@ -3795,7 +3800,7 @@
           <a:p>
             <a:fld id="{09B6D8D1-7727-48F4-99B6-1A02B7F49221}" type="datetimeFigureOut">
               <a:rPr lang="en-US" smtClean="0"/>
-              <a:t>8/5/2023</a:t>
+              <a:t>8/17/2023</a:t>
             </a:fld>
             <a:endParaRPr lang="en-US"/>
           </a:p>
@@ -4036,7 +4041,7 @@
           <a:p>
             <a:fld id="{09B6D8D1-7727-48F4-99B6-1A02B7F49221}" type="datetimeFigureOut">
               <a:rPr lang="en-US" smtClean="0"/>
-              <a:t>8/5/2023</a:t>
+              <a:t>8/17/2023</a:t>
             </a:fld>
             <a:endParaRPr lang="en-US"/>
           </a:p>
@@ -27455,7 +27460,7 @@
           <a:p>
             <a:r>
               <a:rPr lang="en-US" dirty="0"/>
-              <a:t>Deploy your code</a:t>
+              <a:t>Deploy your code with confidence</a:t>
             </a:r>
           </a:p>
           <a:p>
@@ -27880,7 +27885,7 @@
         </p:blipFill>
         <p:spPr>
           <a:xfrm>
-            <a:off x="6481828" y="2899641"/>
+            <a:off x="6414094" y="2891175"/>
             <a:ext cx="5198835" cy="3447370"/>
           </a:xfrm>
           <a:prstGeom prst="rect">
@@ -27969,8 +27974,8 @@
         </p:nvSpPr>
         <p:spPr>
           <a:xfrm>
-            <a:off x="609600" y="1640541"/>
-            <a:ext cx="11205882" cy="4541659"/>
+            <a:off x="609600" y="1549401"/>
+            <a:ext cx="11065933" cy="4632800"/>
           </a:xfrm>
         </p:spPr>
         <p:txBody>
@@ -28024,7 +28029,7 @@
             </a:pPr>
             <a:r>
               <a:rPr lang="en-US" dirty="0"/>
-              <a:t>But focus on Testing not which tooling to u se</a:t>
+              <a:t>But focus on Testing not which tooling to use.</a:t>
             </a:r>
           </a:p>
         </p:txBody>
